--- a/Doc/PA1_Report_340.pptx
+++ b/Doc/PA1_Report_340.pptx
@@ -265,7 +265,7 @@
           <a:p>
             <a:fld id="{073D55F9-11A3-4523-8F38-6BA37933791A}" type="datetime1">
               <a:rPr lang="en-US" smtClean="0"/>
-              <a:t>4/6/2025</a:t>
+              <a:t>4/7/25</a:t>
             </a:fld>
             <a:endParaRPr lang="en-US"/>
           </a:p>
@@ -466,7 +466,7 @@
           <a:p>
             <a:fld id="{0B4E757A-3EC2-4683-9080-1A460C37C843}" type="datetime1">
               <a:rPr lang="en-US" smtClean="0"/>
-              <a:t>4/6/2025</a:t>
+              <a:t>4/7/25</a:t>
             </a:fld>
             <a:endParaRPr lang="en-US"/>
           </a:p>
@@ -677,7 +677,7 @@
           <a:p>
             <a:fld id="{5CC8096C-64ED-4153-A483-5C02E44AD5C3}" type="datetime1">
               <a:rPr lang="en-US" smtClean="0"/>
-              <a:t>4/6/2025</a:t>
+              <a:t>4/7/25</a:t>
             </a:fld>
             <a:endParaRPr lang="en-US" dirty="0"/>
           </a:p>
@@ -878,7 +878,7 @@
           <a:p>
             <a:fld id="{1CB9D56B-6EBE-4E5F-99D9-2A3DBDF37D0A}" type="datetime1">
               <a:rPr lang="en-US" smtClean="0"/>
-              <a:t>4/6/2025</a:t>
+              <a:t>4/7/25</a:t>
             </a:fld>
             <a:endParaRPr lang="en-US"/>
           </a:p>
@@ -1156,7 +1156,7 @@
           <a:p>
             <a:fld id="{8C33F3CA-C7E3-432D-9282-18F13836509A}" type="datetime1">
               <a:rPr lang="en-US" smtClean="0"/>
-              <a:t>4/6/2025</a:t>
+              <a:t>4/7/25</a:t>
             </a:fld>
             <a:endParaRPr lang="en-US" dirty="0"/>
           </a:p>
@@ -1424,7 +1424,7 @@
           <a:p>
             <a:fld id="{75BE9C62-1337-40B8-BA50-E9F4861DB4BC}" type="datetime1">
               <a:rPr lang="en-US" smtClean="0"/>
-              <a:t>4/6/2025</a:t>
+              <a:t>4/7/25</a:t>
             </a:fld>
             <a:endParaRPr lang="en-US"/>
           </a:p>
@@ -1840,7 +1840,7 @@
             <a:fld id="{193BAB95-8DA7-460B-B00A-7037C8394FB0}" type="datetime1">
               <a:rPr lang="en-US" smtClean="0"/>
               <a:pPr/>
-              <a:t>4/6/2025</a:t>
+              <a:t>4/7/25</a:t>
             </a:fld>
             <a:endParaRPr lang="en-US" dirty="0"/>
           </a:p>
@@ -1991,7 +1991,7 @@
           <a:p>
             <a:fld id="{F4E237E6-0076-4915-A5A8-B7C11FA4F374}" type="datetime1">
               <a:rPr lang="en-US" smtClean="0"/>
-              <a:t>4/6/2025</a:t>
+              <a:t>4/7/25</a:t>
             </a:fld>
             <a:endParaRPr lang="en-US"/>
           </a:p>
@@ -2107,7 +2107,7 @@
           <a:p>
             <a:fld id="{3505F58F-C0B5-422A-8E5A-6B99E5D80F0A}" type="datetime1">
               <a:rPr lang="en-US" smtClean="0"/>
-              <a:t>4/6/2025</a:t>
+              <a:t>4/7/25</a:t>
             </a:fld>
             <a:endParaRPr lang="en-US"/>
           </a:p>
@@ -2421,7 +2421,7 @@
           <a:p>
             <a:fld id="{7565E655-9687-48DF-A33F-F8824CCCB5D1}" type="datetime1">
               <a:rPr lang="en-US" smtClean="0"/>
-              <a:t>4/6/2025</a:t>
+              <a:t>4/7/25</a:t>
             </a:fld>
             <a:endParaRPr lang="en-US"/>
           </a:p>
@@ -2712,7 +2712,7 @@
           <a:p>
             <a:fld id="{B97FD56A-AAB8-4544-A495-D0645413C9E3}" type="datetime1">
               <a:rPr lang="en-US" smtClean="0"/>
-              <a:t>4/6/2025</a:t>
+              <a:t>4/7/25</a:t>
             </a:fld>
             <a:endParaRPr lang="en-US"/>
           </a:p>
@@ -2957,7 +2957,7 @@
             <a:fld id="{193BAB95-8DA7-460B-B00A-7037C8394FB0}" type="datetime1">
               <a:rPr lang="en-US" smtClean="0"/>
               <a:pPr/>
-              <a:t>4/6/2025</a:t>
+              <a:t>4/7/25</a:t>
             </a:fld>
             <a:endParaRPr lang="en-US" dirty="0"/>
           </a:p>
@@ -3809,7 +3809,7 @@
         </p:nvSpPr>
         <p:spPr>
           <a:xfrm>
-            <a:off x="522514" y="2972893"/>
+            <a:off x="632523" y="2479283"/>
             <a:ext cx="1383961" cy="933062"/>
           </a:xfrm>
           <a:prstGeom prst="roundRect">
@@ -4073,8 +4073,8 @@
           <a:p>
             <a:pPr algn="ctr"/>
             <a:r>
-              <a:rPr lang="en-US" dirty="0" err="1"/>
-              <a:t>plotVusualizer</a:t>
+              <a:rPr lang="en-US" dirty="0"/>
+              <a:t>Plot</a:t>
             </a:r>
             <a:br>
               <a:rPr lang="en-US" dirty="0"/>
@@ -4088,15 +4088,7 @@
             </a:br>
             <a:r>
               <a:rPr lang="en-US" dirty="0"/>
-              <a:t>-violin </a:t>
-            </a:r>
-            <a:r>
-              <a:rPr lang="en-US" dirty="0" err="1"/>
-              <a:t>plor</a:t>
-            </a:r>
-            <a:r>
-              <a:rPr lang="en-US" dirty="0"/>
-              <a:t>()</a:t>
+              <a:t>-violin plot()</a:t>
             </a:r>
             <a:br>
               <a:rPr lang="en-US" dirty="0"/>
@@ -4114,7 +4106,7 @@
             </a:r>
             <a:r>
               <a:rPr lang="en-US" dirty="0" err="1"/>
-              <a:t>boolean_indexing</a:t>
+              <a:t>getBoolIndex</a:t>
             </a:r>
             <a:r>
               <a:rPr lang="en-US" dirty="0"/>
@@ -4426,13 +4418,14 @@
           <p:cNvCxnSpPr>
             <a:cxnSpLocks/>
             <a:stCxn id="7" idx="3"/>
+            <a:endCxn id="16" idx="1"/>
           </p:cNvCxnSpPr>
           <p:nvPr/>
         </p:nvCxnSpPr>
         <p:spPr>
           <a:xfrm flipV="1">
-            <a:off x="1906475" y="2348432"/>
-            <a:ext cx="2315627" cy="1090992"/>
+            <a:off x="2016484" y="2174737"/>
+            <a:ext cx="2205618" cy="771077"/>
           </a:xfrm>
           <a:prstGeom prst="bentConnector3">
             <a:avLst>
@@ -4622,8 +4615,8 @@
         </p:nvCxnSpPr>
         <p:spPr>
           <a:xfrm>
-            <a:off x="6750698" y="1682334"/>
-            <a:ext cx="2548813" cy="1452652"/>
+            <a:off x="6750698" y="2012752"/>
+            <a:ext cx="2548813" cy="1122234"/>
           </a:xfrm>
           <a:prstGeom prst="bentConnector3">
             <a:avLst>
@@ -5281,7 +5274,7 @@
                     <a:p>
                       <a:pPr algn="r" fontAlgn="b"/>
                       <a:r>
-                        <a:rPr lang="en-US" sz="1100" b="0" i="0" u="none" strike="noStrike">
+                        <a:rPr lang="en-US" sz="1100" b="0" i="0" u="none" strike="noStrike" dirty="0">
                           <a:solidFill>
                             <a:srgbClr val="000000"/>
                           </a:solidFill>
@@ -5289,6 +5282,40 @@
                           <a:latin typeface="Aptos Narrow" panose="020B0004020202020204" pitchFamily="34" charset="0"/>
                         </a:rPr>
                         <a:t>1325412060</a:t>
+                      </a:r>
+                    </a:p>
+                  </a:txBody>
+                  <a:tcPr marL="9525" marR="9525" marT="9525" marB="0" anchor="b">
+                    <a:lnL>
+                      <a:noFill/>
+                    </a:lnL>
+                    <a:lnR>
+                      <a:noFill/>
+                    </a:lnR>
+                    <a:lnT>
+                      <a:noFill/>
+                    </a:lnT>
+                    <a:lnB>
+                      <a:noFill/>
+                    </a:lnB>
+                    <a:noFill/>
+                  </a:tcPr>
+                </a:tc>
+                <a:tc>
+                  <a:txBody>
+                    <a:bodyPr/>
+                    <a:lstStyle/>
+                    <a:p>
+                      <a:pPr algn="r" fontAlgn="b"/>
+                      <a:r>
+                        <a:rPr lang="en-US" sz="1100" b="0" i="0" u="none" strike="noStrike" dirty="0">
+                          <a:solidFill>
+                            <a:srgbClr val="000000"/>
+                          </a:solidFill>
+                          <a:effectLst/>
+                          <a:latin typeface="Aptos Narrow" panose="020B0004020202020204" pitchFamily="34" charset="0"/>
+                        </a:rPr>
+                        <a:t>4.58</a:t>
                       </a:r>
                     </a:p>
                   </a:txBody>
@@ -5383,41 +5410,7 @@
                     <a:p>
                       <a:pPr algn="r" fontAlgn="b"/>
                       <a:r>
-                        <a:rPr lang="en-US" sz="1100" b="0" i="0" u="none" strike="noStrike">
-                          <a:solidFill>
-                            <a:srgbClr val="000000"/>
-                          </a:solidFill>
-                          <a:effectLst/>
-                          <a:latin typeface="Aptos Narrow" panose="020B0004020202020204" pitchFamily="34" charset="0"/>
-                        </a:rPr>
-                        <a:t>4.58</a:t>
-                      </a:r>
-                    </a:p>
-                  </a:txBody>
-                  <a:tcPr marL="9525" marR="9525" marT="9525" marB="0" anchor="b">
-                    <a:lnL>
-                      <a:noFill/>
-                    </a:lnL>
-                    <a:lnR>
-                      <a:noFill/>
-                    </a:lnR>
-                    <a:lnT>
-                      <a:noFill/>
-                    </a:lnT>
-                    <a:lnB>
-                      <a:noFill/>
-                    </a:lnB>
-                    <a:noFill/>
-                  </a:tcPr>
-                </a:tc>
-                <a:tc>
-                  <a:txBody>
-                    <a:bodyPr/>
-                    <a:lstStyle/>
-                    <a:p>
-                      <a:pPr algn="r" fontAlgn="b"/>
-                      <a:r>
-                        <a:rPr lang="en-US" sz="1100" b="0" i="0" u="none" strike="noStrike">
+                        <a:rPr lang="en-US" sz="1100" b="0" i="0" u="none" strike="noStrike" dirty="0">
                           <a:solidFill>
                             <a:srgbClr val="000000"/>
                           </a:solidFill>
@@ -8247,6 +8240,23 @@
 </file>
 
 <file path=customXml/item1.xml><?xml version="1.0" encoding="utf-8"?>
+<p:properties xmlns:p="http://schemas.microsoft.com/office/2006/metadata/properties" xmlns:xsi="http://www.w3.org/2001/XMLSchema-instance" xmlns:pc="http://schemas.microsoft.com/office/infopath/2007/PartnerControls">
+  <documentManagement>
+    <_activity xmlns="be377dd5-4801-4545-9731-e2880a16472a" xsi:nil="true"/>
+  </documentManagement>
+</p:properties>
+</file>
+
+<file path=customXml/item2.xml><?xml version="1.0" encoding="utf-8"?>
+<?mso-contentType ?>
+<FormTemplates xmlns="http://schemas.microsoft.com/sharepoint/v3/contenttype/forms">
+  <Display>DocumentLibraryForm</Display>
+  <Edit>DocumentLibraryForm</Edit>
+  <New>DocumentLibraryForm</New>
+</FormTemplates>
+</file>
+
+<file path=customXml/item3.xml><?xml version="1.0" encoding="utf-8"?>
 <ct:contentTypeSchema xmlns:ct="http://schemas.microsoft.com/office/2006/metadata/contentType" xmlns:ma="http://schemas.microsoft.com/office/2006/metadata/properties/metaAttributes" ct:_="" ma:_="" ma:contentTypeName="Document" ma:contentTypeID="0x0101001DF16A495594A944A29E081C4FB3C2A0" ma:contentTypeVersion="6" ma:contentTypeDescription="Create a new document." ma:contentTypeScope="" ma:versionID="865fc076a6b9043d4aec702af12fb515">
   <xsd:schema xmlns:xsd="http://www.w3.org/2001/XMLSchema" xmlns:xs="http://www.w3.org/2001/XMLSchema" xmlns:p="http://schemas.microsoft.com/office/2006/metadata/properties" xmlns:ns3="be377dd5-4801-4545-9731-e2880a16472a" targetNamespace="http://schemas.microsoft.com/office/2006/metadata/properties" ma:root="true" ma:fieldsID="5b9e55d0ad3aa12dd4ed1fecbdb95209" ns3:_="">
     <xsd:import namespace="be377dd5-4801-4545-9731-e2880a16472a"/>
@@ -8402,24 +8412,31 @@
 </ct:contentTypeSchema>
 </file>
 
-<file path=customXml/item2.xml><?xml version="1.0" encoding="utf-8"?>
-<?mso-contentType ?>
-<FormTemplates xmlns="http://schemas.microsoft.com/sharepoint/v3/contenttype/forms">
-  <Display>DocumentLibraryForm</Display>
-  <Edit>DocumentLibraryForm</Edit>
-  <New>DocumentLibraryForm</New>
-</FormTemplates>
+<file path=customXml/itemProps1.xml><?xml version="1.0" encoding="utf-8"?>
+<ds:datastoreItem xmlns:ds="http://schemas.openxmlformats.org/officeDocument/2006/customXml" ds:itemID="{4855A1A0-3A9D-48FB-B79A-BB625DEF834E}">
+  <ds:schemaRefs>
+    <ds:schemaRef ds:uri="http://purl.org/dc/elements/1.1/"/>
+    <ds:schemaRef ds:uri="http://purl.org/dc/dcmitype/"/>
+    <ds:schemaRef ds:uri="http://purl.org/dc/terms/"/>
+    <ds:schemaRef ds:uri="http://schemas.microsoft.com/office/2006/documentManagement/types"/>
+    <ds:schemaRef ds:uri="http://schemas.microsoft.com/office/2006/metadata/properties"/>
+    <ds:schemaRef ds:uri="http://www.w3.org/XML/1998/namespace"/>
+    <ds:schemaRef ds:uri="be377dd5-4801-4545-9731-e2880a16472a"/>
+    <ds:schemaRef ds:uri="http://schemas.microsoft.com/office/infopath/2007/PartnerControls"/>
+    <ds:schemaRef ds:uri="http://schemas.openxmlformats.org/package/2006/metadata/core-properties"/>
+  </ds:schemaRefs>
+</ds:datastoreItem>
 </file>
 
-<file path=customXml/item3.xml><?xml version="1.0" encoding="utf-8"?>
-<p:properties xmlns:p="http://schemas.microsoft.com/office/2006/metadata/properties" xmlns:xsi="http://www.w3.org/2001/XMLSchema-instance" xmlns:pc="http://schemas.microsoft.com/office/infopath/2007/PartnerControls">
-  <documentManagement>
-    <_activity xmlns="be377dd5-4801-4545-9731-e2880a16472a" xsi:nil="true"/>
-  </documentManagement>
-</p:properties>
+<file path=customXml/itemProps2.xml><?xml version="1.0" encoding="utf-8"?>
+<ds:datastoreItem xmlns:ds="http://schemas.openxmlformats.org/officeDocument/2006/customXml" ds:itemID="{4F59DF01-7BF0-4EED-B3DF-5AC9017453EE}">
+  <ds:schemaRefs>
+    <ds:schemaRef ds:uri="http://schemas.microsoft.com/sharepoint/v3/contenttype/forms"/>
+  </ds:schemaRefs>
+</ds:datastoreItem>
 </file>
 
-<file path=customXml/itemProps1.xml><?xml version="1.0" encoding="utf-8"?>
+<file path=customXml/itemProps3.xml><?xml version="1.0" encoding="utf-8"?>
 <ds:datastoreItem xmlns:ds="http://schemas.openxmlformats.org/officeDocument/2006/customXml" ds:itemID="{6729D1A2-8F12-4F20-B508-ADD47202980C}">
   <ds:schemaRefs>
     <ds:schemaRef ds:uri="http://schemas.microsoft.com/office/2006/metadata/contentType"/>
@@ -8435,28 +8452,4 @@
     <ds:schemaRef ds:uri="http://schemas.microsoft.com/internal/obd"/>
   </ds:schemaRefs>
 </ds:datastoreItem>
-</file>
-
-<file path=customXml/itemProps2.xml><?xml version="1.0" encoding="utf-8"?>
-<ds:datastoreItem xmlns:ds="http://schemas.openxmlformats.org/officeDocument/2006/customXml" ds:itemID="{4F59DF01-7BF0-4EED-B3DF-5AC9017453EE}">
-  <ds:schemaRefs>
-    <ds:schemaRef ds:uri="http://schemas.microsoft.com/sharepoint/v3/contenttype/forms"/>
-  </ds:schemaRefs>
-</ds:datastoreItem>
-</file>
-
-<file path=customXml/itemProps3.xml><?xml version="1.0" encoding="utf-8"?>
-<ds:datastoreItem xmlns:ds="http://schemas.openxmlformats.org/officeDocument/2006/customXml" ds:itemID="{4855A1A0-3A9D-48FB-B79A-BB625DEF834E}">
-  <ds:schemaRefs>
-    <ds:schemaRef ds:uri="http://purl.org/dc/elements/1.1/"/>
-    <ds:schemaRef ds:uri="http://purl.org/dc/dcmitype/"/>
-    <ds:schemaRef ds:uri="http://purl.org/dc/terms/"/>
-    <ds:schemaRef ds:uri="http://schemas.microsoft.com/office/2006/documentManagement/types"/>
-    <ds:schemaRef ds:uri="http://schemas.microsoft.com/office/2006/metadata/properties"/>
-    <ds:schemaRef ds:uri="http://www.w3.org/XML/1998/namespace"/>
-    <ds:schemaRef ds:uri="be377dd5-4801-4545-9731-e2880a16472a"/>
-    <ds:schemaRef ds:uri="http://schemas.microsoft.com/office/infopath/2007/PartnerControls"/>
-    <ds:schemaRef ds:uri="http://schemas.openxmlformats.org/package/2006/metadata/core-properties"/>
-  </ds:schemaRefs>
-</ds:datastoreItem>
 </file>